--- a/documents/presentations/Varshneya-Anguiano-LMU Symposium-201703.pptx
+++ b/documents/presentations/Varshneya-Anguiano-LMU Symposium-201703.pptx
@@ -5,7 +5,7 @@
     <p:sldMasterId id="2147483659" r:id="rId1"/>
   </p:sldMasterIdLst>
   <p:notesMasterIdLst>
-    <p:notesMasterId r:id="rId21"/>
+    <p:notesMasterId r:id="rId20"/>
   </p:notesMasterIdLst>
   <p:sldIdLst>
     <p:sldId id="256" r:id="rId2"/>
@@ -26,7 +26,6 @@
     <p:sldId id="273" r:id="rId17"/>
     <p:sldId id="274" r:id="rId18"/>
     <p:sldId id="276" r:id="rId19"/>
-    <p:sldId id="277" r:id="rId20"/>
   </p:sldIdLst>
   <p:sldSz cx="9144000" cy="5143500" type="screen16x9"/>
   <p:notesSz cx="6858000" cy="9144000"/>
@@ -963,7 +962,7 @@
         </p:nvSpPr>
         <p:spPr>
           <a:xfrm>
-            <a:off x="381300" y="685800"/>
+            <a:off x="381000" y="685800"/>
             <a:ext cx="6096000" cy="3429000"/>
           </a:xfrm>
           <a:custGeom>
@@ -1067,7 +1066,7 @@
         </p:nvSpPr>
         <p:spPr>
           <a:xfrm>
-            <a:off x="381300" y="685800"/>
+            <a:off x="381000" y="685800"/>
             <a:ext cx="6096000" cy="3429000"/>
           </a:xfrm>
           <a:custGeom>
@@ -1151,110 +1150,6 @@
             <a:r>
               <a:rPr lang="en"/>
               <a:t>Show github icons and then click and show the picture, add all of our urls on the top of the page</a:t>
-            </a:r>
-          </a:p>
-        </p:txBody>
-      </p:sp>
-    </p:spTree>
-  </p:cSld>
-  <p:clrMapOvr>
-    <a:masterClrMapping/>
-  </p:clrMapOvr>
-</p:notes>
-</file>
-
-<file path=ppt/notesSlides/notesSlide15.xml><?xml version="1.0" encoding="utf-8"?>
-<p:notes xmlns:a="http://schemas.openxmlformats.org/drawingml/2006/main" xmlns:r="http://schemas.openxmlformats.org/officeDocument/2006/relationships" xmlns:p="http://schemas.openxmlformats.org/presentationml/2006/main" showMasterSp="0" showMasterPhAnim="0">
-  <p:cSld>
-    <p:spTree>
-      <p:nvGrpSpPr>
-        <p:cNvPr id="1" name="Shape 201"/>
-        <p:cNvGrpSpPr/>
-        <p:nvPr/>
-      </p:nvGrpSpPr>
-      <p:grpSpPr>
-        <a:xfrm>
-          <a:off x="0" y="0"/>
-          <a:ext cx="0" cy="0"/>
-          <a:chOff x="0" y="0"/>
-          <a:chExt cx="0" cy="0"/>
-        </a:xfrm>
-      </p:grpSpPr>
-      <p:sp>
-        <p:nvSpPr>
-          <p:cNvPr id="202" name="Shape 202"/>
-          <p:cNvSpPr>
-            <a:spLocks noGrp="1" noRot="1" noChangeAspect="1"/>
-          </p:cNvSpPr>
-          <p:nvPr>
-            <p:ph type="sldImg" idx="2"/>
-          </p:nvPr>
-        </p:nvSpPr>
-        <p:spPr>
-          <a:xfrm>
-            <a:off x="381300" y="685800"/>
-            <a:ext cx="6096000" cy="3429000"/>
-          </a:xfrm>
-          <a:custGeom>
-            <a:avLst/>
-            <a:gdLst/>
-            <a:ahLst/>
-            <a:cxnLst/>
-            <a:rect l="0" t="0" r="0" b="0"/>
-            <a:pathLst>
-              <a:path w="120000" h="120000" extrusionOk="0">
-                <a:moveTo>
-                  <a:pt x="0" y="0"/>
-                </a:moveTo>
-                <a:lnTo>
-                  <a:pt x="120000" y="0"/>
-                </a:lnTo>
-                <a:lnTo>
-                  <a:pt x="120000" y="120000"/>
-                </a:lnTo>
-                <a:lnTo>
-                  <a:pt x="0" y="120000"/>
-                </a:lnTo>
-                <a:close/>
-              </a:path>
-            </a:pathLst>
-          </a:custGeom>
-        </p:spPr>
-      </p:sp>
-      <p:sp>
-        <p:nvSpPr>
-          <p:cNvPr id="203" name="Shape 203"/>
-          <p:cNvSpPr txBox="1">
-            <a:spLocks noGrp="1"/>
-          </p:cNvSpPr>
-          <p:nvPr>
-            <p:ph type="body" idx="1"/>
-          </p:nvPr>
-        </p:nvSpPr>
-        <p:spPr>
-          <a:xfrm>
-            <a:off x="685800" y="4343400"/>
-            <a:ext cx="5486400" cy="4114800"/>
-          </a:xfrm>
-          <a:prstGeom prst="rect">
-            <a:avLst/>
-          </a:prstGeom>
-        </p:spPr>
-        <p:txBody>
-          <a:bodyPr lIns="91425" tIns="91425" rIns="91425" bIns="91425" anchor="t" anchorCtr="0">
-            <a:noAutofit/>
-          </a:bodyPr>
-          <a:lstStyle/>
-          <a:p>
-            <a:pPr lvl="0">
-              <a:spcBef>
-                <a:spcPts val="0"/>
-              </a:spcBef>
-              <a:buNone/>
-            </a:pPr>
-            <a:r>
-              <a:rPr lang="en"/>
-              <a:t>nicole</a:t>
             </a:r>
           </a:p>
         </p:txBody>
@@ -2455,161 +2350,6 @@
 </file>
 
 <file path=ppt/slideLayouts/slideLayout2.xml><?xml version="1.0" encoding="utf-8"?>
-<p:sldLayout xmlns:a="http://schemas.openxmlformats.org/drawingml/2006/main" xmlns:r="http://schemas.openxmlformats.org/officeDocument/2006/relationships" xmlns:p="http://schemas.openxmlformats.org/presentationml/2006/main" type="secHead">
-  <p:cSld name="Section header">
-    <p:spTree>
-      <p:nvGrpSpPr>
-        <p:cNvPr id="1" name="Shape 13"/>
-        <p:cNvGrpSpPr/>
-        <p:nvPr/>
-      </p:nvGrpSpPr>
-      <p:grpSpPr>
-        <a:xfrm>
-          <a:off x="0" y="0"/>
-          <a:ext cx="0" cy="0"/>
-          <a:chOff x="0" y="0"/>
-          <a:chExt cx="0" cy="0"/>
-        </a:xfrm>
-      </p:grpSpPr>
-      <p:sp>
-        <p:nvSpPr>
-          <p:cNvPr id="14" name="Shape 14"/>
-          <p:cNvSpPr txBox="1">
-            <a:spLocks noGrp="1"/>
-          </p:cNvSpPr>
-          <p:nvPr>
-            <p:ph type="title"/>
-          </p:nvPr>
-        </p:nvSpPr>
-        <p:spPr>
-          <a:xfrm>
-            <a:off x="311700" y="2150850"/>
-            <a:ext cx="8520600" cy="841800"/>
-          </a:xfrm>
-          <a:prstGeom prst="rect">
-            <a:avLst/>
-          </a:prstGeom>
-        </p:spPr>
-        <p:txBody>
-          <a:bodyPr lIns="91425" tIns="91425" rIns="91425" bIns="91425" anchor="ctr" anchorCtr="0"/>
-          <a:lstStyle>
-            <a:lvl1pPr lvl="0" algn="ctr">
-              <a:spcBef>
-                <a:spcPts val="0"/>
-              </a:spcBef>
-              <a:buSzPct val="100000"/>
-              <a:defRPr sz="3600"/>
-            </a:lvl1pPr>
-            <a:lvl2pPr lvl="1" algn="ctr">
-              <a:spcBef>
-                <a:spcPts val="0"/>
-              </a:spcBef>
-              <a:buSzPct val="100000"/>
-              <a:defRPr sz="3600"/>
-            </a:lvl2pPr>
-            <a:lvl3pPr lvl="2" algn="ctr">
-              <a:spcBef>
-                <a:spcPts val="0"/>
-              </a:spcBef>
-              <a:buSzPct val="100000"/>
-              <a:defRPr sz="3600"/>
-            </a:lvl3pPr>
-            <a:lvl4pPr lvl="3" algn="ctr">
-              <a:spcBef>
-                <a:spcPts val="0"/>
-              </a:spcBef>
-              <a:buSzPct val="100000"/>
-              <a:defRPr sz="3600"/>
-            </a:lvl4pPr>
-            <a:lvl5pPr lvl="4" algn="ctr">
-              <a:spcBef>
-                <a:spcPts val="0"/>
-              </a:spcBef>
-              <a:buSzPct val="100000"/>
-              <a:defRPr sz="3600"/>
-            </a:lvl5pPr>
-            <a:lvl6pPr lvl="5" algn="ctr">
-              <a:spcBef>
-                <a:spcPts val="0"/>
-              </a:spcBef>
-              <a:buSzPct val="100000"/>
-              <a:defRPr sz="3600"/>
-            </a:lvl6pPr>
-            <a:lvl7pPr lvl="6" algn="ctr">
-              <a:spcBef>
-                <a:spcPts val="0"/>
-              </a:spcBef>
-              <a:buSzPct val="100000"/>
-              <a:defRPr sz="3600"/>
-            </a:lvl7pPr>
-            <a:lvl8pPr lvl="7" algn="ctr">
-              <a:spcBef>
-                <a:spcPts val="0"/>
-              </a:spcBef>
-              <a:buSzPct val="100000"/>
-              <a:defRPr sz="3600"/>
-            </a:lvl8pPr>
-            <a:lvl9pPr lvl="8" algn="ctr">
-              <a:spcBef>
-                <a:spcPts val="0"/>
-              </a:spcBef>
-              <a:buSzPct val="100000"/>
-              <a:defRPr sz="3600"/>
-            </a:lvl9pPr>
-          </a:lstStyle>
-          <a:p>
-            <a:endParaRPr/>
-          </a:p>
-        </p:txBody>
-      </p:sp>
-      <p:sp>
-        <p:nvSpPr>
-          <p:cNvPr id="15" name="Shape 15"/>
-          <p:cNvSpPr txBox="1">
-            <a:spLocks noGrp="1"/>
-          </p:cNvSpPr>
-          <p:nvPr>
-            <p:ph type="sldNum" idx="12"/>
-          </p:nvPr>
-        </p:nvSpPr>
-        <p:spPr>
-          <a:xfrm>
-            <a:off x="8472457" y="4663216"/>
-            <a:ext cx="548700" cy="393600"/>
-          </a:xfrm>
-          <a:prstGeom prst="rect">
-            <a:avLst/>
-          </a:prstGeom>
-        </p:spPr>
-        <p:txBody>
-          <a:bodyPr lIns="91425" tIns="91425" rIns="91425" bIns="91425" anchor="ctr" anchorCtr="0">
-            <a:noAutofit/>
-          </a:bodyPr>
-          <a:lstStyle/>
-          <a:p>
-            <a:pPr lvl="0">
-              <a:spcBef>
-                <a:spcPts val="0"/>
-              </a:spcBef>
-              <a:buNone/>
-            </a:pPr>
-            <a:fld id="{00000000-1234-1234-1234-123412341234}" type="slidenum">
-              <a:rPr lang="en"/>
-              <a:t>‹#›</a:t>
-            </a:fld>
-            <a:endParaRPr lang="en"/>
-          </a:p>
-        </p:txBody>
-      </p:sp>
-    </p:spTree>
-  </p:cSld>
-  <p:clrMapOvr>
-    <a:masterClrMapping/>
-  </p:clrMapOvr>
-</p:sldLayout>
-</file>
-
-<file path=ppt/slideLayouts/slideLayout3.xml><?xml version="1.0" encoding="utf-8"?>
 <p:sldLayout xmlns:a="http://schemas.openxmlformats.org/drawingml/2006/main" xmlns:r="http://schemas.openxmlformats.org/officeDocument/2006/relationships" xmlns:p="http://schemas.openxmlformats.org/presentationml/2006/main" type="tx">
   <p:cSld name="Title and body">
     <p:spTree>
@@ -2845,7 +2585,7 @@
 </p:sldLayout>
 </file>
 
-<file path=ppt/slideLayouts/slideLayout4.xml><?xml version="1.0" encoding="utf-8"?>
+<file path=ppt/slideLayouts/slideLayout3.xml><?xml version="1.0" encoding="utf-8"?>
 <p:sldLayout xmlns:a="http://schemas.openxmlformats.org/drawingml/2006/main" xmlns:r="http://schemas.openxmlformats.org/officeDocument/2006/relationships" xmlns:p="http://schemas.openxmlformats.org/presentationml/2006/main" type="titleOnly">
   <p:cSld name="Title only">
     <p:spTree>
@@ -2991,7 +2731,7 @@
 </p:sldLayout>
 </file>
 
-<file path=ppt/slideLayouts/slideLayout5.xml><?xml version="1.0" encoding="utf-8"?>
+<file path=ppt/slideLayouts/slideLayout4.xml><?xml version="1.0" encoding="utf-8"?>
 <p:sldLayout xmlns:a="http://schemas.openxmlformats.org/drawingml/2006/main" xmlns:r="http://schemas.openxmlformats.org/officeDocument/2006/relationships" xmlns:p="http://schemas.openxmlformats.org/presentationml/2006/main">
   <p:cSld name="One column text">
     <p:spTree>
@@ -3237,7 +2977,7 @@
 </p:sldLayout>
 </file>
 
-<file path=ppt/slideLayouts/slideLayout6.xml><?xml version="1.0" encoding="utf-8"?>
+<file path=ppt/slideLayouts/slideLayout5.xml><?xml version="1.0" encoding="utf-8"?>
 <p:sldLayout xmlns:a="http://schemas.openxmlformats.org/drawingml/2006/main" xmlns:r="http://schemas.openxmlformats.org/officeDocument/2006/relationships" xmlns:p="http://schemas.openxmlformats.org/presentationml/2006/main">
   <p:cSld name="Main point">
     <p:spTree>
@@ -3392,7 +3132,7 @@
 </p:sldLayout>
 </file>
 
-<file path=ppt/slideLayouts/slideLayout7.xml><?xml version="1.0" encoding="utf-8"?>
+<file path=ppt/slideLayouts/slideLayout6.xml><?xml version="1.0" encoding="utf-8"?>
 <p:sldLayout xmlns:a="http://schemas.openxmlformats.org/drawingml/2006/main" xmlns:r="http://schemas.openxmlformats.org/officeDocument/2006/relationships" xmlns:p="http://schemas.openxmlformats.org/presentationml/2006/main">
   <p:cSld name="Section title and description">
     <p:spTree>
@@ -3820,7 +3560,7 @@
 </p:sldLayout>
 </file>
 
-<file path=ppt/slideLayouts/slideLayout8.xml><?xml version="1.0" encoding="utf-8"?>
+<file path=ppt/slideLayouts/slideLayout7.xml><?xml version="1.0" encoding="utf-8"?>
 <p:sldLayout xmlns:a="http://schemas.openxmlformats.org/drawingml/2006/main" xmlns:r="http://schemas.openxmlformats.org/officeDocument/2006/relationships" xmlns:p="http://schemas.openxmlformats.org/presentationml/2006/main">
   <p:cSld name="Caption">
     <p:spTree>
@@ -3925,7 +3665,7 @@
 </p:sldLayout>
 </file>
 
-<file path=ppt/slideLayouts/slideLayout9.xml><?xml version="1.0" encoding="utf-8"?>
+<file path=ppt/slideLayouts/slideLayout8.xml><?xml version="1.0" encoding="utf-8"?>
 <p:sldLayout xmlns:a="http://schemas.openxmlformats.org/drawingml/2006/main" xmlns:r="http://schemas.openxmlformats.org/officeDocument/2006/relationships" xmlns:p="http://schemas.openxmlformats.org/presentationml/2006/main">
   <p:cSld name="Big number">
     <p:spTree>
@@ -4559,14 +4299,13 @@
   <p:clrMap bg1="lt1" tx1="dk1" bg2="dk2" tx2="lt2" accent1="accent1" accent2="accent2" accent3="accent3" accent4="accent4" accent5="accent5" accent6="accent6" hlink="hlink" folHlink="folHlink"/>
   <p:sldLayoutIdLst>
     <p:sldLayoutId id="2147483648" r:id="rId1"/>
-    <p:sldLayoutId id="2147483649" r:id="rId2"/>
-    <p:sldLayoutId id="2147483650" r:id="rId3"/>
-    <p:sldLayoutId id="2147483652" r:id="rId4"/>
-    <p:sldLayoutId id="2147483653" r:id="rId5"/>
-    <p:sldLayoutId id="2147483654" r:id="rId6"/>
-    <p:sldLayoutId id="2147483655" r:id="rId7"/>
-    <p:sldLayoutId id="2147483656" r:id="rId8"/>
-    <p:sldLayoutId id="2147483657" r:id="rId9"/>
+    <p:sldLayoutId id="2147483650" r:id="rId2"/>
+    <p:sldLayoutId id="2147483652" r:id="rId3"/>
+    <p:sldLayoutId id="2147483653" r:id="rId4"/>
+    <p:sldLayoutId id="2147483654" r:id="rId5"/>
+    <p:sldLayoutId id="2147483655" r:id="rId6"/>
+    <p:sldLayoutId id="2147483656" r:id="rId7"/>
+    <p:sldLayoutId id="2147483657" r:id="rId8"/>
   </p:sldLayoutIdLst>
   <p:hf sldNum="0" hdr="0" ftr="0" dt="0"/>
   <p:txStyles>
@@ -5770,20 +5509,28 @@
               <a:buChar char="•"/>
             </a:pPr>
             <a:r>
-              <a:rPr lang="en-US" b="1" dirty="0" err="1" smtClean="0">
-                <a:solidFill>
-                  <a:schemeClr val="dk1"/>
-                </a:solidFill>
-              </a:rPr>
-              <a:t>Unfatal</a:t>
-            </a:r>
-            <a:r>
               <a:rPr lang="en-US" b="1" dirty="0" smtClean="0">
                 <a:solidFill>
                   <a:schemeClr val="dk1"/>
                 </a:solidFill>
               </a:rPr>
-              <a:t> = graph will load</a:t>
+              <a:t>Non-</a:t>
+            </a:r>
+            <a:r>
+              <a:rPr lang="en-US" b="1" dirty="0" smtClean="0">
+                <a:solidFill>
+                  <a:schemeClr val="dk1"/>
+                </a:solidFill>
+              </a:rPr>
+              <a:t>fatal </a:t>
+            </a:r>
+            <a:r>
+              <a:rPr lang="en-US" b="1" dirty="0" smtClean="0">
+                <a:solidFill>
+                  <a:schemeClr val="dk1"/>
+                </a:solidFill>
+              </a:rPr>
+              <a:t>= graph will load</a:t>
             </a:r>
           </a:p>
           <a:p>
@@ -5923,7 +5670,7 @@
         </p:blipFill>
         <p:spPr>
           <a:xfrm>
-            <a:off x="473675" y="2666549"/>
+            <a:off x="311700" y="2565143"/>
             <a:ext cx="3593601" cy="2401724"/>
           </a:xfrm>
           <a:prstGeom prst="rect">
@@ -5942,14 +5689,14 @@
           <p:nvPr>
             <p:extLst>
               <p:ext uri="{D42A27DB-BD31-4B8C-83A1-F6EECF244321}">
-                <p14:modId xmlns:p14="http://schemas.microsoft.com/office/powerpoint/2010/main" val="3624447589"/>
+                <p14:modId xmlns:p14="http://schemas.microsoft.com/office/powerpoint/2010/main" val="898156514"/>
               </p:ext>
             </p:extLst>
           </p:nvPr>
         </p:nvGraphicFramePr>
         <p:xfrm>
-          <a:off x="4419527" y="2570075"/>
-          <a:ext cx="4183500" cy="2194409"/>
+          <a:off x="4181589" y="2570075"/>
+          <a:ext cx="4576311" cy="2133449"/>
         </p:xfrm>
         <a:graphic>
           <a:graphicData uri="http://schemas.openxmlformats.org/drawingml/2006/table">
@@ -5959,9 +5706,9 @@
                 <a:tableStyleId>{6C9FD421-407B-43CE-951F-49B8B315E36E}</a:tableStyleId>
               </a:tblPr>
               <a:tblGrid>
-                <a:gridCol w="1394500"/>
-                <a:gridCol w="1394500"/>
-                <a:gridCol w="1394500"/>
+                <a:gridCol w="1525437"/>
+                <a:gridCol w="1525437"/>
+                <a:gridCol w="1525437"/>
               </a:tblGrid>
               <a:tr h="364100">
                 <a:tc>
@@ -6069,7 +5816,7 @@
                         <a:buNone/>
                       </a:pPr>
                       <a:r>
-                        <a:rPr lang="en"/>
+                        <a:rPr lang="en" sz="1300" dirty="0"/>
                         <a:t>Statements</a:t>
                       </a:r>
                     </a:p>
@@ -6088,9 +5835,10 @@
                         <a:buNone/>
                       </a:pPr>
                       <a:r>
-                        <a:rPr lang="en"/>
-                        <a:t>???</a:t>
+                        <a:rPr lang="en-US" sz="1300" dirty="0" smtClean="0"/>
+                        <a:t>272/371 (73.32)</a:t>
                       </a:r>
+                      <a:endParaRPr lang="en" sz="1300" dirty="0"/>
                     </a:p>
                   </a:txBody>
                   <a:tcPr marL="91425" marR="91425" marT="91425" marB="91425"/>
@@ -6106,7 +5854,11 @@
                         </a:spcBef>
                         <a:buNone/>
                       </a:pPr>
-                      <a:endParaRPr/>
+                      <a:r>
+                        <a:rPr lang="en-US" sz="1300" dirty="0" smtClean="0"/>
+                        <a:t>344/489 (71.67)</a:t>
+                      </a:r>
+                      <a:endParaRPr sz="1300" dirty="0"/>
                     </a:p>
                   </a:txBody>
                   <a:tcPr marL="91425" marR="91425" marT="91425" marB="91425"/>
@@ -6125,7 +5877,7 @@
                         <a:buNone/>
                       </a:pPr>
                       <a:r>
-                        <a:rPr lang="en"/>
+                        <a:rPr lang="en" sz="1300"/>
                         <a:t>Branches</a:t>
                       </a:r>
                     </a:p>
@@ -6144,9 +5896,10 @@
                         <a:buNone/>
                       </a:pPr>
                       <a:r>
-                        <a:rPr lang="en"/>
-                        <a:t>???</a:t>
+                        <a:rPr lang="en-US" sz="1300" dirty="0" smtClean="0"/>
+                        <a:t>158/185 (85.41)</a:t>
                       </a:r>
+                      <a:endParaRPr lang="en" sz="1300" dirty="0"/>
                     </a:p>
                   </a:txBody>
                   <a:tcPr marL="91425" marR="91425" marT="91425" marB="91425"/>
@@ -6162,7 +5915,11 @@
                         </a:spcBef>
                         <a:buNone/>
                       </a:pPr>
-                      <a:endParaRPr/>
+                      <a:r>
+                        <a:rPr lang="en-US" sz="1300" dirty="0" smtClean="0"/>
+                        <a:t>169/203 (83.25)</a:t>
+                      </a:r>
+                      <a:endParaRPr sz="1300" dirty="0"/>
                     </a:p>
                   </a:txBody>
                   <a:tcPr marL="91425" marR="91425" marT="91425" marB="91425"/>
@@ -6181,7 +5938,7 @@
                         <a:buNone/>
                       </a:pPr>
                       <a:r>
-                        <a:rPr lang="en"/>
+                        <a:rPr lang="en" sz="1300"/>
                         <a:t>Functions</a:t>
                       </a:r>
                     </a:p>
@@ -6200,9 +5957,14 @@
                         <a:buNone/>
                       </a:pPr>
                       <a:r>
-                        <a:rPr lang="en"/>
-                        <a:t>???</a:t>
+                        <a:rPr lang="en-US" sz="1300" dirty="0" smtClean="0"/>
+                        <a:t>49/72</a:t>
                       </a:r>
+                      <a:r>
+                        <a:rPr lang="en-US" sz="1300" baseline="0" dirty="0" smtClean="0"/>
+                        <a:t> (68.06)</a:t>
+                      </a:r>
+                      <a:endParaRPr lang="en" sz="1300" dirty="0"/>
                     </a:p>
                   </a:txBody>
                   <a:tcPr marL="91425" marR="91425" marT="91425" marB="91425"/>
@@ -6218,7 +5980,11 @@
                         </a:spcBef>
                         <a:buNone/>
                       </a:pPr>
-                      <a:endParaRPr/>
+                      <a:r>
+                        <a:rPr lang="en-US" sz="1300" dirty="0" smtClean="0"/>
+                        <a:t>61/96 (63.54)</a:t>
+                      </a:r>
+                      <a:endParaRPr sz="1300" dirty="0"/>
                     </a:p>
                   </a:txBody>
                   <a:tcPr marL="91425" marR="91425" marT="91425" marB="91425"/>
@@ -6237,7 +6003,7 @@
                         <a:buNone/>
                       </a:pPr>
                       <a:r>
-                        <a:rPr lang="en"/>
+                        <a:rPr lang="en" sz="1300"/>
                         <a:t>Lines</a:t>
                       </a:r>
                     </a:p>
@@ -6256,9 +6022,14 @@
                         <a:buNone/>
                       </a:pPr>
                       <a:r>
-                        <a:rPr lang="en"/>
-                        <a:t>???</a:t>
+                        <a:rPr lang="en-US" sz="1300" dirty="0" smtClean="0"/>
+                        <a:t>272/371</a:t>
                       </a:r>
+                      <a:r>
+                        <a:rPr lang="en-US" sz="1300" baseline="0" dirty="0" smtClean="0"/>
+                        <a:t> (73.32)</a:t>
+                      </a:r>
+                      <a:endParaRPr lang="en" sz="1300" dirty="0"/>
                     </a:p>
                   </a:txBody>
                   <a:tcPr marL="91425" marR="91425" marT="91425" marB="91425"/>
@@ -6274,7 +6045,11 @@
                         </a:spcBef>
                         <a:buNone/>
                       </a:pPr>
-                      <a:endParaRPr dirty="0"/>
+                      <a:r>
+                        <a:rPr lang="en-US" sz="1300" dirty="0" smtClean="0"/>
+                        <a:t>344/480 (71.67)</a:t>
+                      </a:r>
+                      <a:endParaRPr sz="1300" dirty="0"/>
                     </a:p>
                   </a:txBody>
                   <a:tcPr marL="91425" marR="91425" marT="91425" marB="91425"/>
@@ -7175,8 +6950,20 @@
               <a:buNone/>
             </a:pPr>
             <a:r>
-              <a:rPr lang="en"/>
-              <a:t>The Drafting Board was Enlarged for Optimal Graph Loading</a:t>
+              <a:rPr lang="en" dirty="0"/>
+              <a:t>The Drafting Board </a:t>
+            </a:r>
+            <a:r>
+              <a:rPr lang="en-US" dirty="0" smtClean="0"/>
+              <a:t>W</a:t>
+            </a:r>
+            <a:r>
+              <a:rPr lang="en" dirty="0" smtClean="0"/>
+              <a:t>as </a:t>
+            </a:r>
+            <a:r>
+              <a:rPr lang="en" dirty="0"/>
+              <a:t>Enlarged for Optimal Graph Loading</a:t>
             </a:r>
           </a:p>
         </p:txBody>
@@ -7213,91 +7000,101 @@
               <a:spcAft>
                 <a:spcPts val="1000"/>
               </a:spcAft>
-              <a:buNone/>
-            </a:pPr>
-            <a:endParaRPr b="1"/>
-          </a:p>
-          <a:p>
-            <a:pPr marL="457200" lvl="0" indent="-228600" rtl="0">
+            </a:pPr>
+            <a:endParaRPr b="1" dirty="0"/>
+          </a:p>
+          <a:p>
+            <a:pPr marL="571500" lvl="0" indent="-342900" rtl="0">
               <a:spcBef>
                 <a:spcPts val="0"/>
               </a:spcBef>
               <a:spcAft>
                 <a:spcPts val="1000"/>
               </a:spcAft>
-            </a:pPr>
-            <a:r>
-              <a:rPr lang="en" b="1"/>
+              <a:buFont typeface="Arial"/>
+              <a:buChar char="•"/>
+            </a:pPr>
+            <a:r>
+              <a:rPr lang="en" b="1" dirty="0"/>
               <a:t>The drafting board (drawable area) was initially too small to allow for the graph to fully expand to an optimal layout.</a:t>
             </a:r>
           </a:p>
           <a:p>
-            <a:pPr marL="457200" lvl="0" indent="-228600" rtl="0">
+            <a:pPr marL="571500" lvl="0" indent="-342900" rtl="0">
               <a:spcBef>
                 <a:spcPts val="0"/>
               </a:spcBef>
               <a:spcAft>
                 <a:spcPts val="1000"/>
               </a:spcAft>
-            </a:pPr>
-            <a:r>
-              <a:rPr lang="en" b="1"/>
+              <a:buFont typeface="Arial"/>
+              <a:buChar char="•"/>
+            </a:pPr>
+            <a:r>
+              <a:rPr lang="en" b="1" dirty="0"/>
               <a:t>Larger viewport sizings allow for the graph to fully expand on load.</a:t>
             </a:r>
           </a:p>
           <a:p>
-            <a:pPr marL="457200" lvl="0" indent="-228600" rtl="0">
+            <a:pPr marL="571500" lvl="0" indent="-342900" rtl="0">
               <a:spcBef>
                 <a:spcPts val="0"/>
               </a:spcBef>
               <a:spcAft>
                 <a:spcPts val="1000"/>
               </a:spcAft>
-            </a:pPr>
-            <a:r>
-              <a:rPr lang="en" b="1"/>
+              <a:buFont typeface="Arial"/>
+              <a:buChar char="•"/>
+            </a:pPr>
+            <a:r>
+              <a:rPr lang="en" b="1" dirty="0"/>
               <a:t>An automatic drafting board resizing algorithm is in development to allow graphs of all sizes to come to an optimal layout.</a:t>
             </a:r>
           </a:p>
           <a:p>
-            <a:pPr marL="914400" lvl="1" indent="-228600" rtl="0">
+            <a:pPr marL="1028700" lvl="1" indent="-342900" rtl="0">
               <a:spcBef>
                 <a:spcPts val="0"/>
               </a:spcBef>
               <a:spcAft>
                 <a:spcPts val="1000"/>
               </a:spcAft>
-            </a:pPr>
-            <a:r>
-              <a:rPr lang="en" b="1"/>
+              <a:buFont typeface="Arial"/>
+              <a:buChar char="•"/>
+            </a:pPr>
+            <a:r>
+              <a:rPr lang="en" b="1" dirty="0"/>
               <a:t>The drafting board will expand past the size of the viewport, and can be fully seen with zooming and scrolling.</a:t>
             </a:r>
           </a:p>
           <a:p>
-            <a:pPr marL="457200" lvl="0" indent="-228600">
+            <a:pPr marL="571500" lvl="0" indent="-342900">
               <a:spcBef>
                 <a:spcPts val="0"/>
               </a:spcBef>
               <a:spcAft>
                 <a:spcPts val="1000"/>
               </a:spcAft>
-            </a:pPr>
-            <a:r>
-              <a:rPr lang="en" b="1"/>
+              <a:buFont typeface="Arial"/>
+              <a:buChar char="•"/>
+            </a:pPr>
+            <a:r>
+              <a:rPr lang="en" b="1" dirty="0"/>
               <a:t>The option of a hard (fixed to viewport) or adaptive (dynamic resizing) drafting board can be selected. </a:t>
             </a:r>
           </a:p>
           <a:p>
-            <a:pPr lvl="0">
+            <a:pPr marL="342900" lvl="0" indent="-342900">
               <a:spcBef>
                 <a:spcPts val="0"/>
               </a:spcBef>
               <a:spcAft>
                 <a:spcPts val="1000"/>
               </a:spcAft>
-              <a:buNone/>
-            </a:pPr>
-            <a:endParaRPr b="1"/>
+              <a:buFont typeface="Arial"/>
+              <a:buChar char="•"/>
+            </a:pPr>
+            <a:endParaRPr b="1" dirty="0"/>
           </a:p>
         </p:txBody>
       </p:sp>
@@ -7358,7 +7155,7 @@
               <a:buNone/>
             </a:pPr>
             <a:r>
-              <a:rPr lang="en"/>
+              <a:rPr lang="en" dirty="0"/>
               <a:t>Acknowledgments</a:t>
             </a:r>
           </a:p>
@@ -7376,7 +7173,7 @@
         </p:nvSpPr>
         <p:spPr>
           <a:xfrm>
-            <a:off x="464100" y="1000075"/>
+            <a:off x="464100" y="865325"/>
             <a:ext cx="2513400" cy="3803100"/>
           </a:xfrm>
           <a:prstGeom prst="rect">
@@ -7396,7 +7193,7 @@
               <a:buNone/>
             </a:pPr>
             <a:r>
-              <a:rPr lang="en" sz="1400"/>
+              <a:rPr lang="en" sz="1400" dirty="0"/>
               <a:t>Loyola Marymount University</a:t>
             </a:r>
           </a:p>
@@ -7408,7 +7205,7 @@
               <a:buNone/>
             </a:pPr>
             <a:r>
-              <a:rPr lang="en" sz="1400"/>
+              <a:rPr lang="en" sz="1400" dirty="0"/>
               <a:t>Dr. Kam D. Dahlquist</a:t>
             </a:r>
           </a:p>
@@ -7420,7 +7217,7 @@
               <a:buNone/>
             </a:pPr>
             <a:r>
-              <a:rPr lang="en" sz="1400"/>
+              <a:rPr lang="en" sz="1400" dirty="0"/>
               <a:t>Dr. John David N. Dionisio</a:t>
             </a:r>
           </a:p>
@@ -7432,7 +7229,7 @@
               <a:buNone/>
             </a:pPr>
             <a:r>
-              <a:rPr lang="en" sz="1400"/>
+              <a:rPr lang="en" sz="1400" dirty="0"/>
               <a:t>Dr. Ben G. Fitzpatrick </a:t>
             </a:r>
           </a:p>
@@ -7443,7 +7240,7 @@
               </a:spcBef>
               <a:buNone/>
             </a:pPr>
-            <a:endParaRPr sz="1400"/>
+            <a:endParaRPr sz="1000" dirty="0"/>
           </a:p>
           <a:p>
             <a:pPr lvl="0">
@@ -7453,7 +7250,7 @@
               <a:buNone/>
             </a:pPr>
             <a:r>
-              <a:rPr lang="en" sz="1400" u="sng"/>
+              <a:rPr lang="en" sz="1400" u="sng" dirty="0"/>
               <a:t>GRNsight Team </a:t>
             </a:r>
           </a:p>
@@ -7465,7 +7262,7 @@
               <a:buNone/>
             </a:pPr>
             <a:r>
-              <a:rPr lang="en" sz="1400"/>
+              <a:rPr lang="en" sz="1400" dirty="0"/>
               <a:t>Mihir Samdarshi</a:t>
             </a:r>
           </a:p>
@@ -7477,7 +7274,7 @@
               <a:buNone/>
             </a:pPr>
             <a:r>
-              <a:rPr lang="en" sz="1400"/>
+              <a:rPr lang="en" sz="1400" dirty="0"/>
               <a:t>Jen Shin</a:t>
             </a:r>
           </a:p>
@@ -7489,7 +7286,7 @@
               <a:buNone/>
             </a:pPr>
             <a:r>
-              <a:rPr lang="en" sz="1400"/>
+              <a:rPr lang="en" sz="1400" dirty="0"/>
               <a:t>Eileen Choe</a:t>
             </a:r>
           </a:p>
@@ -7501,7 +7298,7 @@
               <a:buNone/>
             </a:pPr>
             <a:r>
-              <a:rPr lang="en" sz="1400"/>
+              <a:rPr lang="en" sz="1400" dirty="0"/>
               <a:t>Edward Bachoura</a:t>
             </a:r>
           </a:p>
@@ -7512,7 +7309,7 @@
               </a:spcBef>
               <a:buNone/>
             </a:pPr>
-            <a:endParaRPr sz="1400"/>
+            <a:endParaRPr sz="1000" dirty="0"/>
           </a:p>
           <a:p>
             <a:pPr lvl="0">
@@ -7522,7 +7319,7 @@
               <a:buNone/>
             </a:pPr>
             <a:r>
-              <a:rPr lang="en" sz="1400" u="sng"/>
+              <a:rPr lang="en" sz="1400" u="sng" dirty="0"/>
               <a:t>GRNmap Team</a:t>
             </a:r>
           </a:p>
@@ -7534,7 +7331,7 @@
               <a:buNone/>
             </a:pPr>
             <a:r>
-              <a:rPr lang="en" sz="1400"/>
+              <a:rPr lang="en" sz="1400" dirty="0"/>
               <a:t>Trixie Anne Roque</a:t>
             </a:r>
           </a:p>
@@ -7546,9 +7343,14 @@
               <a:buNone/>
             </a:pPr>
             <a:r>
-              <a:rPr lang="en" sz="1400"/>
-              <a:t>Edward Azinge</a:t>
-            </a:r>
+              <a:rPr lang="en-US" sz="1400" dirty="0" smtClean="0"/>
+              <a:t>Eddie </a:t>
+            </a:r>
+            <a:r>
+              <a:rPr lang="en" sz="1400" dirty="0" smtClean="0"/>
+              <a:t>Azinge</a:t>
+            </a:r>
+            <a:endParaRPr lang="en" sz="1400" dirty="0"/>
           </a:p>
           <a:p>
             <a:pPr lvl="0">
@@ -7558,7 +7360,7 @@
               <a:buNone/>
             </a:pPr>
             <a:r>
-              <a:rPr lang="en" sz="1400"/>
+              <a:rPr lang="en" sz="1400" dirty="0"/>
               <a:t>Natalie Williams</a:t>
             </a:r>
           </a:p>
@@ -7570,7 +7372,7 @@
               <a:buNone/>
             </a:pPr>
             <a:r>
-              <a:rPr lang="en" sz="1400"/>
+              <a:rPr lang="en" sz="1400" dirty="0"/>
               <a:t>Kristen Horstmann</a:t>
             </a:r>
           </a:p>
@@ -7582,7 +7384,7 @@
               <a:buNone/>
             </a:pPr>
             <a:r>
-              <a:rPr lang="en" sz="1400"/>
+              <a:rPr lang="en" sz="1400" dirty="0"/>
               <a:t>Maggie O’Neil</a:t>
             </a:r>
           </a:p>
@@ -7594,9 +7396,36 @@
               <a:buNone/>
             </a:pPr>
             <a:r>
-              <a:rPr lang="en" sz="1400"/>
-              <a:t>Brandon Klein</a:t>
-            </a:r>
+              <a:rPr lang="en" sz="1400" dirty="0"/>
+              <a:t>Brandon </a:t>
+            </a:r>
+            <a:r>
+              <a:rPr lang="en" sz="1400" dirty="0" smtClean="0"/>
+              <a:t>Klein</a:t>
+            </a:r>
+            <a:endParaRPr lang="en-US" sz="1400" dirty="0" smtClean="0"/>
+          </a:p>
+          <a:p>
+            <a:pPr lvl="0">
+              <a:spcBef>
+                <a:spcPts val="0"/>
+              </a:spcBef>
+              <a:buNone/>
+            </a:pPr>
+            <a:r>
+              <a:rPr lang="en-US" sz="1400" dirty="0" smtClean="0"/>
+              <a:t>Justin Kyle Torres</a:t>
+            </a:r>
+            <a:endParaRPr lang="en-US" sz="1400" dirty="0" smtClean="0"/>
+          </a:p>
+          <a:p>
+            <a:pPr lvl="0">
+              <a:spcBef>
+                <a:spcPts val="0"/>
+              </a:spcBef>
+              <a:buNone/>
+            </a:pPr>
+            <a:endParaRPr lang="en" sz="1400" dirty="0"/>
           </a:p>
         </p:txBody>
       </p:sp>
@@ -7612,8 +7441,8 @@
         </p:nvSpPr>
         <p:spPr>
           <a:xfrm>
-            <a:off x="2977500" y="1000075"/>
-            <a:ext cx="2513400" cy="3803100"/>
+            <a:off x="2977500" y="865325"/>
+            <a:ext cx="2513400" cy="1254425"/>
           </a:xfrm>
           <a:prstGeom prst="rect">
             <a:avLst/>
@@ -7632,11 +7461,7 @@
               <a:buNone/>
             </a:pPr>
             <a:r>
-              <a:rPr lang="en" sz="1400" u="sng">
-                <a:solidFill>
-                  <a:srgbClr val="FF0000"/>
-                </a:solidFill>
-              </a:rPr>
+              <a:rPr lang="en" sz="1400" u="sng" dirty="0"/>
               <a:t>Wet Lab Team</a:t>
             </a:r>
           </a:p>
@@ -7648,12 +7473,8 @@
               <a:buNone/>
             </a:pPr>
             <a:r>
-              <a:rPr lang="en" sz="1400">
-                <a:solidFill>
-                  <a:srgbClr val="FF0000"/>
-                </a:solidFill>
-              </a:rPr>
-              <a:t>Monica Hong (sp?)</a:t>
+              <a:rPr lang="en" sz="1400" dirty="0"/>
+              <a:t>Monica Hong </a:t>
             </a:r>
           </a:p>
           <a:p>
@@ -7664,13 +7485,14 @@
               <a:buNone/>
             </a:pPr>
             <a:r>
-              <a:rPr lang="en" sz="1400">
-                <a:solidFill>
-                  <a:srgbClr val="FF0000"/>
-                </a:solidFill>
-              </a:rPr>
-              <a:t>Nika ???</a:t>
-            </a:r>
+              <a:rPr lang="en" sz="1400" dirty="0"/>
+              <a:t>Nika </a:t>
+            </a:r>
+            <a:r>
+              <a:rPr lang="en-US" sz="1400" dirty="0" err="1" smtClean="0"/>
+              <a:t>Vafadari</a:t>
+            </a:r>
+            <a:endParaRPr lang="en" sz="1400" dirty="0"/>
           </a:p>
           <a:p>
             <a:pPr lvl="0">
@@ -7680,29 +7502,14 @@
               <a:buNone/>
             </a:pPr>
             <a:r>
-              <a:rPr lang="en" sz="1400">
-                <a:solidFill>
-                  <a:srgbClr val="FF0000"/>
-                </a:solidFill>
-              </a:rPr>
-              <a:t>Katherine ???</a:t>
-            </a:r>
-          </a:p>
-          <a:p>
-            <a:pPr lvl="0" rtl="0">
-              <a:spcBef>
-                <a:spcPts val="0"/>
-              </a:spcBef>
-              <a:buNone/>
-            </a:pPr>
-            <a:r>
-              <a:rPr lang="en" sz="1400">
-                <a:solidFill>
-                  <a:srgbClr val="FF0000"/>
-                </a:solidFill>
-              </a:rPr>
-              <a:t>Justin????????????</a:t>
-            </a:r>
+              <a:rPr lang="en" sz="1400" dirty="0"/>
+              <a:t>Katherine </a:t>
+            </a:r>
+            <a:r>
+              <a:rPr lang="en-US" sz="1400" dirty="0" err="1" smtClean="0"/>
+              <a:t>Scheker</a:t>
+            </a:r>
+            <a:endParaRPr lang="en" sz="1400" dirty="0"/>
           </a:p>
         </p:txBody>
       </p:sp>
@@ -7722,8 +7529,8 @@
         </p:blipFill>
         <p:spPr>
           <a:xfrm>
-            <a:off x="5767850" y="178050"/>
-            <a:ext cx="2076450" cy="2076450"/>
+            <a:off x="6050397" y="444870"/>
+            <a:ext cx="1724261" cy="1674879"/>
           </a:xfrm>
           <a:prstGeom prst="rect">
             <a:avLst/>
@@ -7742,8 +7549,8 @@
         </p:nvSpPr>
         <p:spPr>
           <a:xfrm>
-            <a:off x="3560975" y="2420875"/>
-            <a:ext cx="4759800" cy="2525700"/>
+            <a:off x="3334947" y="2420875"/>
+            <a:ext cx="4985828" cy="2525700"/>
           </a:xfrm>
           <a:prstGeom prst="rect">
             <a:avLst/>
@@ -7780,96 +7587,70 @@
           </a:p>
         </p:txBody>
       </p:sp>
-    </p:spTree>
-  </p:cSld>
-  <p:clrMapOvr>
-    <a:masterClrMapping/>
-  </p:clrMapOvr>
-</p:sld>
-</file>
-
-<file path=ppt/slides/slide19.xml><?xml version="1.0" encoding="utf-8"?>
-<p:sld xmlns:a="http://schemas.openxmlformats.org/drawingml/2006/main" xmlns:r="http://schemas.openxmlformats.org/officeDocument/2006/relationships" xmlns:p="http://schemas.openxmlformats.org/presentationml/2006/main">
-  <p:cSld>
-    <p:spTree>
-      <p:nvGrpSpPr>
-        <p:cNvPr id="1" name="Shape 204"/>
-        <p:cNvGrpSpPr/>
-        <p:nvPr/>
-      </p:nvGrpSpPr>
-      <p:grpSpPr>
-        <a:xfrm>
-          <a:off x="0" y="0"/>
-          <a:ext cx="0" cy="0"/>
-          <a:chOff x="0" y="0"/>
-          <a:chExt cx="0" cy="0"/>
-        </a:xfrm>
-      </p:grpSpPr>
-      <p:sp>
-        <p:nvSpPr>
-          <p:cNvPr id="205" name="Shape 205"/>
-          <p:cNvSpPr txBox="1">
-            <a:spLocks noGrp="1"/>
-          </p:cNvSpPr>
-          <p:nvPr>
-            <p:ph type="title"/>
-          </p:nvPr>
-        </p:nvSpPr>
-        <p:spPr>
-          <a:xfrm>
-            <a:off x="311700" y="2608050"/>
-            <a:ext cx="8520600" cy="841800"/>
+      <p:sp>
+        <p:nvSpPr>
+          <p:cNvPr id="3" name="Rectangle 2"/>
+          <p:cNvSpPr/>
+          <p:nvPr/>
+        </p:nvSpPr>
+        <p:spPr>
+          <a:xfrm>
+            <a:off x="2977500" y="1884255"/>
+            <a:ext cx="2685351" cy="307777"/>
           </a:xfrm>
           <a:prstGeom prst="rect">
             <a:avLst/>
           </a:prstGeom>
         </p:spPr>
         <p:txBody>
-          <a:bodyPr lIns="91425" tIns="91425" rIns="91425" bIns="91425" anchor="ctr" anchorCtr="0">
-            <a:noAutofit/>
+          <a:bodyPr wrap="none">
+            <a:spAutoFit/>
           </a:bodyPr>
           <a:lstStyle/>
           <a:p>
-            <a:pPr lvl="0">
-              <a:spcBef>
-                <a:spcPts val="0"/>
-              </a:spcBef>
-              <a:buNone/>
-            </a:pPr>
-            <a:r>
-              <a:rPr lang="en"/>
-              <a:t>Any Questions?</a:t>
+            <a:r>
+              <a:rPr lang="en-US" u="sng" dirty="0">
+                <a:solidFill>
+                  <a:srgbClr val="008000"/>
+                </a:solidFill>
+              </a:rPr>
+              <a:t>http://</a:t>
+            </a:r>
+            <a:r>
+              <a:rPr lang="en-US" u="sng" dirty="0" err="1">
+                <a:solidFill>
+                  <a:srgbClr val="008000"/>
+                </a:solidFill>
+              </a:rPr>
+              <a:t>dondi.github.io</a:t>
+            </a:r>
+            <a:r>
+              <a:rPr lang="en-US" u="sng" dirty="0">
+                <a:solidFill>
+                  <a:srgbClr val="008000"/>
+                </a:solidFill>
+              </a:rPr>
+              <a:t>/</a:t>
+            </a:r>
+            <a:r>
+              <a:rPr lang="en-US" u="sng" dirty="0" err="1">
+                <a:solidFill>
+                  <a:srgbClr val="008000"/>
+                </a:solidFill>
+              </a:rPr>
+              <a:t>GRNsight</a:t>
+            </a:r>
+            <a:r>
+              <a:rPr lang="en-US" u="sng" dirty="0">
+                <a:solidFill>
+                  <a:srgbClr val="008000"/>
+                </a:solidFill>
+              </a:rPr>
+              <a:t>/</a:t>
             </a:r>
           </a:p>
         </p:txBody>
       </p:sp>
-      <p:pic>
-        <p:nvPicPr>
-          <p:cNvPr id="206" name="Shape 206"/>
-          <p:cNvPicPr preferRelativeResize="0"/>
-          <p:nvPr/>
-        </p:nvPicPr>
-        <p:blipFill rotWithShape="1">
-          <a:blip r:embed="rId3">
-            <a:alphaModFix/>
-          </a:blip>
-          <a:srcRect b="9099"/>
-          <a:stretch/>
-        </p:blipFill>
-        <p:spPr>
-          <a:xfrm>
-            <a:off x="3194000" y="1201150"/>
-            <a:ext cx="2756000" cy="1478075"/>
-          </a:xfrm>
-          <a:prstGeom prst="rect">
-            <a:avLst/>
-          </a:prstGeom>
-          <a:noFill/>
-          <a:ln>
-            <a:noFill/>
-          </a:ln>
-        </p:spPr>
-      </p:pic>
     </p:spTree>
   </p:cSld>
   <p:clrMapOvr>
@@ -8412,8 +8193,8 @@
         </p:nvSpPr>
         <p:spPr>
           <a:xfrm>
-            <a:off x="3902975" y="802675"/>
-            <a:ext cx="5132700" cy="3000000"/>
+            <a:off x="3902975" y="980943"/>
+            <a:ext cx="5132700" cy="2821731"/>
           </a:xfrm>
           <a:prstGeom prst="rect">
             <a:avLst/>
@@ -9126,8 +8907,8 @@
         </p:nvSpPr>
         <p:spPr>
           <a:xfrm>
-            <a:off x="311700" y="1253405"/>
-            <a:ext cx="8520600" cy="3549769"/>
+            <a:off x="311700" y="1362995"/>
+            <a:ext cx="8520600" cy="3440179"/>
           </a:xfrm>
         </p:spPr>
         <p:txBody>
@@ -9189,19 +8970,67 @@
             <a:endParaRPr lang="en-US" sz="1000" b="1" dirty="0"/>
           </a:p>
           <a:p>
-            <a:pPr marL="342900" indent="-342900">
-              <a:buFont typeface="Arial"/>
-              <a:buChar char="•"/>
-            </a:pPr>
-            <a:r>
-              <a:rPr lang="en-US" b="1" dirty="0" err="1" smtClean="0"/>
+            <a:endParaRPr lang="en-US" sz="1000" b="1" dirty="0">
+              <a:solidFill>
+                <a:schemeClr val="tx1"/>
+              </a:solidFill>
+            </a:endParaRPr>
+          </a:p>
+          <a:p>
+            <a:pPr algn="ctr"/>
+            <a:r>
+              <a:rPr lang="en-US" sz="2200" b="1" dirty="0" err="1" smtClean="0">
+                <a:solidFill>
+                  <a:schemeClr val="tx1"/>
+                </a:solidFill>
+              </a:rPr>
               <a:t>GRNsight</a:t>
             </a:r>
             <a:r>
-              <a:rPr lang="en-US" b="1" dirty="0" smtClean="0"/>
-              <a:t> is user-friendly, exists as a web application, and lays out network graphs that are easily interpretable.</a:t>
-            </a:r>
-            <a:endParaRPr lang="en-US" b="1" dirty="0"/>
+              <a:rPr lang="en-US" sz="2200" b="1" dirty="0" smtClean="0">
+                <a:solidFill>
+                  <a:schemeClr val="tx1"/>
+                </a:solidFill>
+              </a:rPr>
+              <a:t> is </a:t>
+            </a:r>
+            <a:r>
+              <a:rPr lang="en-US" sz="2200" b="1" dirty="0" smtClean="0">
+                <a:solidFill>
+                  <a:schemeClr val="tx1"/>
+                </a:solidFill>
+              </a:rPr>
+              <a:t>user friendly, </a:t>
+            </a:r>
+            <a:r>
+              <a:rPr lang="en-US" sz="2200" b="1" dirty="0" smtClean="0">
+                <a:solidFill>
+                  <a:schemeClr val="tx1"/>
+                </a:solidFill>
+              </a:rPr>
+              <a:t>exists as a web application, and lays out network graphs </a:t>
+            </a:r>
+            <a:r>
+              <a:rPr lang="en-US" sz="2200" b="1" dirty="0" smtClean="0">
+                <a:solidFill>
+                  <a:schemeClr val="tx1"/>
+                </a:solidFill>
+              </a:rPr>
+              <a:t>for medium-scale GRNs that </a:t>
+            </a:r>
+            <a:r>
+              <a:rPr lang="en-US" sz="2200" b="1" dirty="0" smtClean="0">
+                <a:solidFill>
+                  <a:schemeClr val="tx1"/>
+                </a:solidFill>
+              </a:rPr>
+              <a:t>are easily interpretable.</a:t>
+            </a:r>
+            <a:endParaRPr lang="en-US" sz="2200" b="1" dirty="0">
+              <a:solidFill>
+                <a:schemeClr val="tx1"/>
+              </a:solidFill>
+            </a:endParaRPr>
           </a:p>
         </p:txBody>
       </p:sp>
@@ -9639,8 +9468,8 @@
         </p:nvSpPr>
         <p:spPr>
           <a:xfrm>
-            <a:off x="311700" y="3771478"/>
-            <a:ext cx="2352164" cy="523220"/>
+            <a:off x="683397" y="3812782"/>
+            <a:ext cx="1670683" cy="523220"/>
           </a:xfrm>
           <a:prstGeom prst="rect">
             <a:avLst/>
@@ -9748,7 +9577,7 @@
         </p:nvSpPr>
         <p:spPr>
           <a:xfrm>
-            <a:off x="311700" y="49212"/>
+            <a:off x="311700" y="80190"/>
             <a:ext cx="8520600" cy="572700"/>
           </a:xfrm>
         </p:spPr>
@@ -9775,10 +9604,10 @@
         </p:nvGrpSpPr>
         <p:grpSpPr>
           <a:xfrm>
-            <a:off x="592103" y="1017916"/>
-            <a:ext cx="7929194" cy="4061868"/>
-            <a:chOff x="-933559" y="1635609"/>
-            <a:chExt cx="10078480" cy="5159474"/>
+            <a:off x="196173" y="1115178"/>
+            <a:ext cx="8325124" cy="3964606"/>
+            <a:chOff x="-1289968" y="1635609"/>
+            <a:chExt cx="10434889" cy="5159474"/>
           </a:xfrm>
         </p:grpSpPr>
         <p:grpSp>
@@ -9850,7 +9679,7 @@
           </p:nvSpPr>
           <p:spPr>
             <a:xfrm>
-              <a:off x="-933559" y="5388861"/>
+              <a:off x="-1289968" y="5388861"/>
               <a:ext cx="3309560" cy="646331"/>
             </a:xfrm>
             <a:prstGeom prst="rect">
@@ -10022,8 +9851,8 @@
         </p:nvSpPr>
         <p:spPr>
           <a:xfrm>
-            <a:off x="0" y="4835723"/>
-            <a:ext cx="4251044" cy="307777"/>
+            <a:off x="-59822" y="4843093"/>
+            <a:ext cx="4310866" cy="307777"/>
           </a:xfrm>
           <a:prstGeom prst="rect">
             <a:avLst/>
